--- a/Documentations/Présentation du projet (Revue 1).pptx
+++ b/Documentations/Présentation du projet (Revue 1).pptx
@@ -7,6 +7,8 @@
   <p:sldIdLst>
     <p:sldId id="256" r:id="rId2"/>
     <p:sldId id="257" r:id="rId3"/>
+    <p:sldId id="258" r:id="rId4"/>
+    <p:sldId id="259" r:id="rId5"/>
   </p:sldIdLst>
   <p:sldSz cx="12192000" cy="6858000"/>
   <p:notesSz cx="6858000" cy="9144000"/>
@@ -105,6 +107,11 @@
       </a:defRPr>
     </a:lvl9pPr>
   </p:defaultTextStyle>
+  <p:extLst>
+    <p:ext uri="{EFAFB233-063F-42B5-8137-9DF3F51BA10A}">
+      <p15:sldGuideLst xmlns:p15="http://schemas.microsoft.com/office/powerpoint/2012/main"/>
+    </p:ext>
+  </p:extLst>
 </p:presentation>
 </file>
 
@@ -203,7 +210,7 @@
           <a:effectLst/>
           <a:extLst>
             <a:ext uri="{91240B29-F687-4f45-9708-019B960494DF}">
-              <a14:hiddenLine xmlns:a14="http://schemas.microsoft.com/office/drawing/2010/main" xmlns="" w="9525">
+              <a14:hiddenLine xmlns="" xmlns:a14="http://schemas.microsoft.com/office/drawing/2010/main" w="9525">
                 <a:solidFill>
                   <a:srgbClr val="000000"/>
                 </a:solidFill>
@@ -396,7 +403,7 @@
             <a:fld id="{08B9EBBA-996F-894A-B54A-D6246ED52CEA}" type="datetimeFigureOut">
               <a:rPr lang="en-US" dirty="0"/>
               <a:pPr/>
-              <a:t>1/15/2019</a:t>
+              <a:t>1/18/2019</a:t>
             </a:fld>
             <a:endParaRPr lang="en-US" dirty="0"/>
           </a:p>
@@ -711,7 +718,7 @@
             <a:fld id="{18C79C5D-2A6F-F04D-97DA-BEF2467B64E4}" type="datetimeFigureOut">
               <a:rPr lang="en-US" dirty="0"/>
               <a:pPr/>
-              <a:t>1/15/2019</a:t>
+              <a:t>1/18/2019</a:t>
             </a:fld>
             <a:endParaRPr lang="en-US" dirty="0"/>
           </a:p>
@@ -1196,7 +1203,7 @@
             <a:fld id="{8DFA1846-DA80-1C48-A609-854EA85C59AD}" type="datetimeFigureOut">
               <a:rPr lang="en-US" dirty="0"/>
               <a:pPr/>
-              <a:t>1/15/2019</a:t>
+              <a:t>1/18/2019</a:t>
             </a:fld>
             <a:endParaRPr lang="en-US" dirty="0"/>
           </a:p>
@@ -1562,7 +1569,7 @@
             <a:fld id="{FBF54567-0DE4-3F47-BF90-CB84690072F9}" type="datetimeFigureOut">
               <a:rPr lang="en-US" dirty="0"/>
               <a:pPr/>
-              <a:t>1/15/2019</a:t>
+              <a:t>1/18/2019</a:t>
             </a:fld>
             <a:endParaRPr lang="en-US" dirty="0"/>
           </a:p>
@@ -1713,7 +1720,7 @@
           <a:ln/>
           <a:extLst>
             <a:ext uri="{91240B29-F687-4f45-9708-019B960494DF}">
-              <a14:hiddenLine xmlns:a14="http://schemas.microsoft.com/office/drawing/2010/main" xmlns="" w="9525">
+              <a14:hiddenLine xmlns="" xmlns:a14="http://schemas.microsoft.com/office/drawing/2010/main" w="9525">
                 <a:solidFill>
                   <a:srgbClr val="000000"/>
                 </a:solidFill>
@@ -1832,7 +1839,7 @@
             <a:fld id="{C6C52C72-DE31-F449-A4ED-4C594FD91407}" type="datetimeFigureOut">
               <a:rPr lang="en-US" dirty="0"/>
               <a:pPr/>
-              <a:t>1/15/2019</a:t>
+              <a:t>1/18/2019</a:t>
             </a:fld>
             <a:endParaRPr lang="en-US" dirty="0"/>
           </a:p>
@@ -1985,7 +1992,7 @@
           <a:ln/>
           <a:extLst>
             <a:ext uri="{91240B29-F687-4f45-9708-019B960494DF}">
-              <a14:hiddenLine xmlns:a14="http://schemas.microsoft.com/office/drawing/2010/main" xmlns="" w="9525">
+              <a14:hiddenLine xmlns="" xmlns:a14="http://schemas.microsoft.com/office/drawing/2010/main" w="9525">
                 <a:solidFill>
                   <a:srgbClr val="000000"/>
                 </a:solidFill>
@@ -2114,7 +2121,7 @@
             <a:fld id="{ED62726E-379B-B349-9EED-81ED093FA806}" type="datetimeFigureOut">
               <a:rPr lang="en-US" dirty="0"/>
               <a:pPr/>
-              <a:t>1/15/2019</a:t>
+              <a:t>1/18/2019</a:t>
             </a:fld>
             <a:endParaRPr lang="en-US" dirty="0"/>
           </a:p>
@@ -2265,7 +2272,7 @@
           <a:ln/>
           <a:extLst>
             <a:ext uri="{91240B29-F687-4f45-9708-019B960494DF}">
-              <a14:hiddenLine xmlns:a14="http://schemas.microsoft.com/office/drawing/2010/main" xmlns="" w="9525">
+              <a14:hiddenLine xmlns="" xmlns:a14="http://schemas.microsoft.com/office/drawing/2010/main" w="9525">
                 <a:solidFill>
                   <a:srgbClr val="000000"/>
                 </a:solidFill>
@@ -2394,7 +2401,7 @@
             <a:fld id="{9B3A1323-8D79-1946-B0D7-40001CF92E9D}" type="datetimeFigureOut">
               <a:rPr lang="en-US" dirty="0"/>
               <a:pPr/>
-              <a:t>1/15/2019</a:t>
+              <a:t>1/18/2019</a:t>
             </a:fld>
             <a:endParaRPr lang="en-US" dirty="0"/>
           </a:p>
@@ -2734,7 +2741,7 @@
             <a:fld id="{8DFA1846-DA80-1C48-A609-854EA85C59AD}" type="datetimeFigureOut">
               <a:rPr lang="en-US" dirty="0"/>
               <a:pPr/>
-              <a:t>1/15/2019</a:t>
+              <a:t>1/18/2019</a:t>
             </a:fld>
             <a:endParaRPr lang="en-US" dirty="0"/>
           </a:p>
@@ -2885,7 +2892,7 @@
           <a:ln/>
           <a:extLst>
             <a:ext uri="{91240B29-F687-4f45-9708-019B960494DF}">
-              <a14:hiddenLine xmlns:a14="http://schemas.microsoft.com/office/drawing/2010/main" xmlns="" w="9525">
+              <a14:hiddenLine xmlns="" xmlns:a14="http://schemas.microsoft.com/office/drawing/2010/main" w="9525">
                 <a:solidFill>
                   <a:srgbClr val="000000"/>
                 </a:solidFill>
@@ -3070,7 +3077,7 @@
             <a:fld id="{57302355-E14B-8545-A8F8-0FE83CC9D524}" type="datetimeFigureOut">
               <a:rPr lang="en-US" dirty="0"/>
               <a:pPr/>
-              <a:t>1/15/2019</a:t>
+              <a:t>1/18/2019</a:t>
             </a:fld>
             <a:endParaRPr lang="en-US" dirty="0"/>
           </a:p>
@@ -3221,7 +3228,7 @@
           <a:ln/>
           <a:extLst>
             <a:ext uri="{91240B29-F687-4f45-9708-019B960494DF}">
-              <a14:hiddenLine xmlns:a14="http://schemas.microsoft.com/office/drawing/2010/main" xmlns="" w="9525">
+              <a14:hiddenLine xmlns="" xmlns:a14="http://schemas.microsoft.com/office/drawing/2010/main" w="9525">
                 <a:solidFill>
                   <a:srgbClr val="000000"/>
                 </a:solidFill>
@@ -3544,7 +3551,7 @@
             <a:fld id="{02640F58-564D-2B4F-AE67-E407BA4FCF45}" type="datetimeFigureOut">
               <a:rPr lang="en-US" dirty="0"/>
               <a:pPr/>
-              <a:t>1/15/2019</a:t>
+              <a:t>1/18/2019</a:t>
             </a:fld>
             <a:endParaRPr lang="en-US" dirty="0"/>
           </a:p>
@@ -3695,7 +3702,7 @@
           <a:ln/>
           <a:extLst>
             <a:ext uri="{91240B29-F687-4f45-9708-019B960494DF}">
-              <a14:hiddenLine xmlns:a14="http://schemas.microsoft.com/office/drawing/2010/main" xmlns="" w="9525">
+              <a14:hiddenLine xmlns="" xmlns:a14="http://schemas.microsoft.com/office/drawing/2010/main" w="9525">
                 <a:solidFill>
                   <a:srgbClr val="000000"/>
                 </a:solidFill>
@@ -3762,7 +3769,7 @@
             <a:fld id="{F13A34C8-038E-2045-AF43-DF7DBB8E0E9E}" type="datetimeFigureOut">
               <a:rPr lang="en-US" dirty="0"/>
               <a:pPr/>
-              <a:t>1/15/2019</a:t>
+              <a:t>1/18/2019</a:t>
             </a:fld>
             <a:endParaRPr lang="en-US" dirty="0"/>
           </a:p>
@@ -3854,7 +3861,7 @@
             <a:fld id="{8818C68F-D26B-8F47-958C-23B49CF8A634}" type="datetimeFigureOut">
               <a:rPr lang="en-US" dirty="0"/>
               <a:pPr/>
-              <a:t>1/15/2019</a:t>
+              <a:t>1/18/2019</a:t>
             </a:fld>
             <a:endParaRPr lang="en-US" dirty="0"/>
           </a:p>
@@ -4118,7 +4125,7 @@
           <a:ln/>
           <a:extLst>
             <a:ext uri="{91240B29-F687-4f45-9708-019B960494DF}">
-              <a14:hiddenLine xmlns:a14="http://schemas.microsoft.com/office/drawing/2010/main" xmlns="" w="9525">
+              <a14:hiddenLine xmlns="" xmlns:a14="http://schemas.microsoft.com/office/drawing/2010/main" w="9525">
                 <a:solidFill>
                   <a:srgbClr val="000000"/>
                 </a:solidFill>
@@ -4318,7 +4325,7 @@
             <a:fld id="{D0DF5E60-9974-AC48-9591-99C2BB44B7CF}" type="datetimeFigureOut">
               <a:rPr lang="en-US" dirty="0"/>
               <a:pPr/>
-              <a:t>1/15/2019</a:t>
+              <a:t>1/18/2019</a:t>
             </a:fld>
             <a:endParaRPr lang="en-US" dirty="0"/>
           </a:p>
@@ -4628,7 +4635,7 @@
             <a:fld id="{18C79C5D-2A6F-F04D-97DA-BEF2467B64E4}" type="datetimeFigureOut">
               <a:rPr lang="en-US" dirty="0"/>
               <a:pPr/>
-              <a:t>1/15/2019</a:t>
+              <a:t>1/18/2019</a:t>
             </a:fld>
             <a:endParaRPr lang="en-US" dirty="0"/>
           </a:p>
@@ -4895,7 +4902,7 @@
             <a:fld id="{09B482E8-6E0E-1B4F-B1FD-C69DB9E858D9}" type="datetimeFigureOut">
               <a:rPr lang="en-US" dirty="0"/>
               <a:pPr/>
-              <a:t>1/15/2019</a:t>
+              <a:t>1/18/2019</a:t>
             </a:fld>
             <a:endParaRPr lang="en-US" dirty="0"/>
           </a:p>
@@ -5425,6 +5432,14 @@
 <file path=ppt/slides/slide2.xml><?xml version="1.0" encoding="utf-8"?>
 <p:sld xmlns:a="http://schemas.openxmlformats.org/drawingml/2006/main" xmlns:r="http://schemas.openxmlformats.org/officeDocument/2006/relationships" xmlns:p="http://schemas.openxmlformats.org/presentationml/2006/main">
   <p:cSld>
+    <p:bg>
+      <p:bgPr>
+        <a:solidFill>
+          <a:schemeClr val="bg1"/>
+        </a:solidFill>
+        <a:effectLst/>
+      </p:bgPr>
+    </p:bg>
     <p:spTree>
       <p:nvGrpSpPr>
         <p:cNvPr id="1" name=""/>
@@ -5441,6 +5456,265 @@
       </p:grpSpPr>
       <p:sp>
         <p:nvSpPr>
+          <p:cNvPr id="9" name="Rectangle 8">
+            <a:extLst>
+              <a:ext uri="{FF2B5EF4-FFF2-40B4-BE49-F238E27FC236}">
+                <a16:creationId xmlns:a16="http://schemas.microsoft.com/office/drawing/2014/main" id="{E2264E67-6F59-4D8D-8E5F-8245B0FEAE76}"/>
+              </a:ext>
+              <a:ext uri="{C183D7F6-B498-43B3-948B-1728B52AA6E4}">
+                <adec:decorative xmlns:adec="http://schemas.microsoft.com/office/drawing/2017/decorative" val="1"/>
+              </a:ext>
+            </a:extLst>
+          </p:cNvPr>
+          <p:cNvSpPr>
+            <a:spLocks noGrp="1" noRot="1" noChangeAspect="1" noMove="1" noResize="1" noEditPoints="1" noAdjustHandles="1" noChangeArrowheads="1" noChangeShapeType="1" noTextEdit="1"/>
+          </p:cNvSpPr>
+          <p:nvPr>
+            <p:extLst>
+              <p:ext uri="{386F3935-93C4-4BCD-93E2-E3B085C9AB24}">
+                <p16:designElem xmlns:p16="http://schemas.microsoft.com/office/powerpoint/2015/main" val="1"/>
+              </p:ext>
+            </p:extLst>
+          </p:nvPr>
+        </p:nvSpPr>
+        <p:spPr>
+          <a:xfrm>
+            <a:off x="4573" y="0"/>
+            <a:ext cx="12187427" cy="6858000"/>
+          </a:xfrm>
+          <a:prstGeom prst="rect">
+            <a:avLst/>
+          </a:prstGeom>
+          <a:solidFill>
+            <a:schemeClr val="bg1"/>
+          </a:solidFill>
+          <a:ln>
+            <a:noFill/>
+          </a:ln>
+        </p:spPr>
+        <p:style>
+          <a:lnRef idx="2">
+            <a:schemeClr val="accent1">
+              <a:shade val="50000"/>
+            </a:schemeClr>
+          </a:lnRef>
+          <a:fillRef idx="1">
+            <a:schemeClr val="accent1"/>
+          </a:fillRef>
+          <a:effectRef idx="0">
+            <a:schemeClr val="accent1"/>
+          </a:effectRef>
+          <a:fontRef idx="minor">
+            <a:schemeClr val="lt1"/>
+          </a:fontRef>
+        </p:style>
+        <p:txBody>
+          <a:bodyPr rtlCol="0" anchor="ctr"/>
+          <a:lstStyle/>
+          <a:p>
+            <a:pPr algn="ctr"/>
+            <a:endParaRPr lang="en-US"/>
+          </a:p>
+        </p:txBody>
+      </p:sp>
+      <p:sp>
+        <p:nvSpPr>
+          <p:cNvPr id="11" name="Freeform 23">
+            <a:extLst>
+              <a:ext uri="{FF2B5EF4-FFF2-40B4-BE49-F238E27FC236}">
+                <a16:creationId xmlns:a16="http://schemas.microsoft.com/office/drawing/2014/main" id="{158E1C6E-D299-4F5D-B15B-155EBF7F62FD}"/>
+              </a:ext>
+              <a:ext uri="{C183D7F6-B498-43B3-948B-1728B52AA6E4}">
+                <adec:decorative xmlns:adec="http://schemas.microsoft.com/office/drawing/2017/decorative" val="1"/>
+              </a:ext>
+            </a:extLst>
+          </p:cNvPr>
+          <p:cNvSpPr>
+            <a:spLocks noGrp="1" noRot="1" noChangeAspect="1" noMove="1" noResize="1" noEditPoints="1" noAdjustHandles="1" noChangeArrowheads="1" noChangeShapeType="1" noTextEdit="1"/>
+          </p:cNvSpPr>
+          <p:nvPr>
+            <p:extLst>
+              <p:ext uri="{386F3935-93C4-4BCD-93E2-E3B085C9AB24}">
+                <p16:designElem xmlns:p16="http://schemas.microsoft.com/office/powerpoint/2015/main" val="1"/>
+              </p:ext>
+            </p:extLst>
+          </p:nvPr>
+        </p:nvSpPr>
+        <p:spPr bwMode="white">
+          <a:xfrm>
+            <a:off x="0" y="0"/>
+            <a:ext cx="4637005" cy="6858000"/>
+          </a:xfrm>
+          <a:custGeom>
+            <a:avLst/>
+            <a:gdLst>
+              <a:gd name="connsiteX0" fmla="*/ 0 w 4637005"/>
+              <a:gd name="connsiteY0" fmla="*/ 0 h 6858000"/>
+              <a:gd name="connsiteX1" fmla="*/ 4637005 w 4637005"/>
+              <a:gd name="connsiteY1" fmla="*/ 0 h 6858000"/>
+              <a:gd name="connsiteX2" fmla="*/ 4637005 w 4637005"/>
+              <a:gd name="connsiteY2" fmla="*/ 1900238 h 6858000"/>
+              <a:gd name="connsiteX3" fmla="*/ 4266589 w 4637005"/>
+              <a:gd name="connsiteY3" fmla="*/ 2178050 h 6858000"/>
+              <a:gd name="connsiteX4" fmla="*/ 4262355 w 4637005"/>
+              <a:gd name="connsiteY4" fmla="*/ 2184400 h 6858000"/>
+              <a:gd name="connsiteX5" fmla="*/ 4256005 w 4637005"/>
+              <a:gd name="connsiteY5" fmla="*/ 2193925 h 6858000"/>
+              <a:gd name="connsiteX6" fmla="*/ 4249655 w 4637005"/>
+              <a:gd name="connsiteY6" fmla="*/ 2201863 h 6858000"/>
+              <a:gd name="connsiteX7" fmla="*/ 4249655 w 4637005"/>
+              <a:gd name="connsiteY7" fmla="*/ 2211388 h 6858000"/>
+              <a:gd name="connsiteX8" fmla="*/ 4249655 w 4637005"/>
+              <a:gd name="connsiteY8" fmla="*/ 2220913 h 6858000"/>
+              <a:gd name="connsiteX9" fmla="*/ 4256005 w 4637005"/>
+              <a:gd name="connsiteY9" fmla="*/ 2228850 h 6858000"/>
+              <a:gd name="connsiteX10" fmla="*/ 4262355 w 4637005"/>
+              <a:gd name="connsiteY10" fmla="*/ 2238375 h 6858000"/>
+              <a:gd name="connsiteX11" fmla="*/ 4266589 w 4637005"/>
+              <a:gd name="connsiteY11" fmla="*/ 2244725 h 6858000"/>
+              <a:gd name="connsiteX12" fmla="*/ 4637005 w 4637005"/>
+              <a:gd name="connsiteY12" fmla="*/ 2522538 h 6858000"/>
+              <a:gd name="connsiteX13" fmla="*/ 4637005 w 4637005"/>
+              <a:gd name="connsiteY13" fmla="*/ 6858000 h 6858000"/>
+              <a:gd name="connsiteX14" fmla="*/ 0 w 4637005"/>
+              <a:gd name="connsiteY14" fmla="*/ 6858000 h 6858000"/>
+            </a:gdLst>
+            <a:ahLst/>
+            <a:cxnLst>
+              <a:cxn ang="0">
+                <a:pos x="connsiteX0" y="connsiteY0"/>
+              </a:cxn>
+              <a:cxn ang="0">
+                <a:pos x="connsiteX1" y="connsiteY1"/>
+              </a:cxn>
+              <a:cxn ang="0">
+                <a:pos x="connsiteX2" y="connsiteY2"/>
+              </a:cxn>
+              <a:cxn ang="0">
+                <a:pos x="connsiteX3" y="connsiteY3"/>
+              </a:cxn>
+              <a:cxn ang="0">
+                <a:pos x="connsiteX4" y="connsiteY4"/>
+              </a:cxn>
+              <a:cxn ang="0">
+                <a:pos x="connsiteX5" y="connsiteY5"/>
+              </a:cxn>
+              <a:cxn ang="0">
+                <a:pos x="connsiteX6" y="connsiteY6"/>
+              </a:cxn>
+              <a:cxn ang="0">
+                <a:pos x="connsiteX7" y="connsiteY7"/>
+              </a:cxn>
+              <a:cxn ang="0">
+                <a:pos x="connsiteX8" y="connsiteY8"/>
+              </a:cxn>
+              <a:cxn ang="0">
+                <a:pos x="connsiteX9" y="connsiteY9"/>
+              </a:cxn>
+              <a:cxn ang="0">
+                <a:pos x="connsiteX10" y="connsiteY10"/>
+              </a:cxn>
+              <a:cxn ang="0">
+                <a:pos x="connsiteX11" y="connsiteY11"/>
+              </a:cxn>
+              <a:cxn ang="0">
+                <a:pos x="connsiteX12" y="connsiteY12"/>
+              </a:cxn>
+              <a:cxn ang="0">
+                <a:pos x="connsiteX13" y="connsiteY13"/>
+              </a:cxn>
+              <a:cxn ang="0">
+                <a:pos x="connsiteX14" y="connsiteY14"/>
+              </a:cxn>
+            </a:cxnLst>
+            <a:rect l="l" t="t" r="r" b="b"/>
+            <a:pathLst>
+              <a:path w="4637005" h="6858000">
+                <a:moveTo>
+                  <a:pt x="0" y="0"/>
+                </a:moveTo>
+                <a:lnTo>
+                  <a:pt x="4637005" y="0"/>
+                </a:lnTo>
+                <a:lnTo>
+                  <a:pt x="4637005" y="1900238"/>
+                </a:lnTo>
+                <a:lnTo>
+                  <a:pt x="4266589" y="2178050"/>
+                </a:lnTo>
+                <a:lnTo>
+                  <a:pt x="4262355" y="2184400"/>
+                </a:lnTo>
+                <a:lnTo>
+                  <a:pt x="4256005" y="2193925"/>
+                </a:lnTo>
+                <a:lnTo>
+                  <a:pt x="4249655" y="2201863"/>
+                </a:lnTo>
+                <a:lnTo>
+                  <a:pt x="4249655" y="2211388"/>
+                </a:lnTo>
+                <a:lnTo>
+                  <a:pt x="4249655" y="2220913"/>
+                </a:lnTo>
+                <a:lnTo>
+                  <a:pt x="4256005" y="2228850"/>
+                </a:lnTo>
+                <a:lnTo>
+                  <a:pt x="4262355" y="2238375"/>
+                </a:lnTo>
+                <a:lnTo>
+                  <a:pt x="4266589" y="2244725"/>
+                </a:lnTo>
+                <a:lnTo>
+                  <a:pt x="4637005" y="2522538"/>
+                </a:lnTo>
+                <a:lnTo>
+                  <a:pt x="4637005" y="6858000"/>
+                </a:lnTo>
+                <a:lnTo>
+                  <a:pt x="0" y="6858000"/>
+                </a:lnTo>
+                <a:close/>
+              </a:path>
+            </a:pathLst>
+          </a:custGeom>
+          <a:solidFill>
+            <a:srgbClr val="212121"/>
+          </a:solidFill>
+          <a:ln>
+            <a:noFill/>
+            <a:headEnd/>
+            <a:tailEnd/>
+          </a:ln>
+        </p:spPr>
+        <p:style>
+          <a:lnRef idx="1">
+            <a:schemeClr val="accent1"/>
+          </a:lnRef>
+          <a:fillRef idx="3">
+            <a:schemeClr val="accent1"/>
+          </a:fillRef>
+          <a:effectRef idx="2">
+            <a:schemeClr val="accent1"/>
+          </a:effectRef>
+          <a:fontRef idx="minor">
+            <a:schemeClr val="lt1"/>
+          </a:fontRef>
+        </p:style>
+        <p:txBody>
+          <a:bodyPr wrap="square" rtlCol="0" anchor="ctr">
+            <a:noAutofit/>
+          </a:bodyPr>
+          <a:lstStyle/>
+          <a:p>
+            <a:pPr algn="ctr"/>
+            <a:endParaRPr lang="en-US"/>
+          </a:p>
+        </p:txBody>
+      </p:sp>
+      <p:sp>
+        <p:nvSpPr>
           <p:cNvPr id="2" name="Titre 1">
             <a:extLst>
               <a:ext uri="{FF2B5EF4-FFF2-40B4-BE49-F238E27FC236}">
@@ -5455,13 +5729,25 @@
             <p:ph type="title"/>
           </p:nvPr>
         </p:nvSpPr>
-        <p:spPr/>
-        <p:txBody>
-          <a:bodyPr/>
-          <a:lstStyle/>
-          <a:p>
-            <a:r>
-              <a:rPr lang="fr-FR" dirty="0"/>
+        <p:spPr>
+          <a:xfrm>
+            <a:off x="451514" y="457201"/>
+            <a:ext cx="3575737" cy="1332688"/>
+          </a:xfrm>
+        </p:spPr>
+        <p:txBody>
+          <a:bodyPr anchor="b">
+            <a:normAutofit/>
+          </a:bodyPr>
+          <a:lstStyle/>
+          <a:p>
+            <a:pPr algn="ctr"/>
+            <a:r>
+              <a:rPr lang="fr-FR" sz="3200">
+                <a:solidFill>
+                  <a:srgbClr val="FFFFFF"/>
+                </a:solidFill>
+              </a:rPr>
               <a:t>Finalité du projet</a:t>
             </a:r>
           </a:p>
@@ -5483,33 +5769,282 @@
             <p:ph idx="1"/>
           </p:nvPr>
         </p:nvSpPr>
-        <p:spPr/>
-        <p:txBody>
-          <a:bodyPr/>
-          <a:lstStyle/>
-          <a:p>
-            <a:r>
-              <a:rPr lang="fr-FR" dirty="0"/>
-              <a:t>Création de deux applications sous Android Studio</a:t>
-            </a:r>
-          </a:p>
-          <a:p>
-            <a:r>
-              <a:rPr lang="fr-FR" dirty="0"/>
-              <a:t>Création deux bases </a:t>
-            </a:r>
-            <a:r>
-              <a:rPr lang="fr-FR"/>
-              <a:t>de données : </a:t>
-            </a:r>
-            <a:endParaRPr lang="fr-FR" dirty="0"/>
-          </a:p>
-        </p:txBody>
-      </p:sp>
+        <p:spPr>
+          <a:xfrm>
+            <a:off x="451514" y="2046514"/>
+            <a:ext cx="3575737" cy="3994848"/>
+          </a:xfrm>
+        </p:spPr>
+        <p:txBody>
+          <a:bodyPr>
+            <a:normAutofit/>
+          </a:bodyPr>
+          <a:lstStyle/>
+          <a:p>
+            <a:r>
+              <a:rPr lang="fr-FR" sz="1600">
+                <a:solidFill>
+                  <a:srgbClr val="FFFFFF"/>
+                </a:solidFill>
+              </a:rPr>
+              <a:t>Simplifier le partage de matériel entre enseignant en leur faisant gagner du temps grâce à un système en temps réel d’état d’emprunt de matériels</a:t>
+            </a:r>
+          </a:p>
+        </p:txBody>
+      </p:sp>
+      <p:pic>
+        <p:nvPicPr>
+          <p:cNvPr id="4" name="Image 3">
+            <a:extLst>
+              <a:ext uri="{FF2B5EF4-FFF2-40B4-BE49-F238E27FC236}">
+                <a16:creationId xmlns:a16="http://schemas.microsoft.com/office/drawing/2014/main" id="{62B4086A-B94B-4B39-8E25-83022BF32DA7}"/>
+              </a:ext>
+            </a:extLst>
+          </p:cNvPr>
+          <p:cNvPicPr>
+            <a:picLocks noChangeAspect="1"/>
+          </p:cNvPicPr>
+          <p:nvPr/>
+        </p:nvPicPr>
+        <p:blipFill>
+          <a:blip r:embed="rId2"/>
+          <a:stretch>
+            <a:fillRect/>
+          </a:stretch>
+        </p:blipFill>
+        <p:spPr>
+          <a:xfrm>
+            <a:off x="5085091" y="1143195"/>
+            <a:ext cx="6655395" cy="4898167"/>
+          </a:xfrm>
+          <a:prstGeom prst="roundRect">
+            <a:avLst>
+              <a:gd name="adj" fmla="val 3876"/>
+            </a:avLst>
+          </a:prstGeom>
+          <a:ln>
+            <a:solidFill>
+              <a:schemeClr val="accent1"/>
+            </a:solidFill>
+          </a:ln>
+          <a:effectLst/>
+        </p:spPr>
+      </p:pic>
     </p:spTree>
     <p:extLst>
       <p:ext uri="{BB962C8B-B14F-4D97-AF65-F5344CB8AC3E}">
         <p14:creationId xmlns:p14="http://schemas.microsoft.com/office/powerpoint/2010/main" val="4032995396"/>
+      </p:ext>
+    </p:extLst>
+  </p:cSld>
+  <p:clrMapOvr>
+    <a:overrideClrMapping bg1="lt1" tx1="dk1" bg2="lt2" tx2="dk2" accent1="accent1" accent2="accent2" accent3="accent3" accent4="accent4" accent5="accent5" accent6="accent6" hlink="hlink" folHlink="folHlink"/>
+  </p:clrMapOvr>
+</p:sld>
+</file>
+
+<file path=ppt/slides/slide3.xml><?xml version="1.0" encoding="utf-8"?>
+<p:sld xmlns:a="http://schemas.openxmlformats.org/drawingml/2006/main" xmlns:r="http://schemas.openxmlformats.org/officeDocument/2006/relationships" xmlns:p="http://schemas.openxmlformats.org/presentationml/2006/main">
+  <p:cSld>
+    <p:spTree>
+      <p:nvGrpSpPr>
+        <p:cNvPr id="1" name=""/>
+        <p:cNvGrpSpPr/>
+        <p:nvPr/>
+      </p:nvGrpSpPr>
+      <p:grpSpPr>
+        <a:xfrm>
+          <a:off x="0" y="0"/>
+          <a:ext cx="0" cy="0"/>
+          <a:chOff x="0" y="0"/>
+          <a:chExt cx="0" cy="0"/>
+        </a:xfrm>
+      </p:grpSpPr>
+      <p:sp>
+        <p:nvSpPr>
+          <p:cNvPr id="2" name="Titre 1">
+            <a:extLst>
+              <a:ext uri="{FF2B5EF4-FFF2-40B4-BE49-F238E27FC236}">
+                <a16:creationId xmlns:a16="http://schemas.microsoft.com/office/drawing/2014/main" id="{C0EABB35-02BF-4927-88A2-2B4347F5A20D}"/>
+              </a:ext>
+            </a:extLst>
+          </p:cNvPr>
+          <p:cNvSpPr>
+            <a:spLocks noGrp="1"/>
+          </p:cNvSpPr>
+          <p:nvPr>
+            <p:ph type="title"/>
+          </p:nvPr>
+        </p:nvSpPr>
+        <p:spPr>
+          <a:xfrm>
+            <a:off x="853190" y="1965141"/>
+            <a:ext cx="5893840" cy="1342908"/>
+          </a:xfrm>
+        </p:spPr>
+        <p:txBody>
+          <a:bodyPr/>
+          <a:lstStyle/>
+          <a:p>
+            <a:r>
+              <a:rPr lang="fr-FR" dirty="0"/>
+              <a:t>Rôle étudiant 3 :</a:t>
+            </a:r>
+            <a:br>
+              <a:rPr lang="fr-FR" dirty="0"/>
+            </a:br>
+            <a:r>
+              <a:rPr lang="fr-FR" dirty="0"/>
+              <a:t>Application scan RFID</a:t>
+            </a:r>
+          </a:p>
+        </p:txBody>
+      </p:sp>
+      <p:sp>
+        <p:nvSpPr>
+          <p:cNvPr id="3" name="Espace réservé du texte 2">
+            <a:extLst>
+              <a:ext uri="{FF2B5EF4-FFF2-40B4-BE49-F238E27FC236}">
+                <a16:creationId xmlns:a16="http://schemas.microsoft.com/office/drawing/2014/main" id="{B5912F65-287A-4632-ABC3-8E74B190C1FA}"/>
+              </a:ext>
+            </a:extLst>
+          </p:cNvPr>
+          <p:cNvSpPr>
+            <a:spLocks noGrp="1"/>
+          </p:cNvSpPr>
+          <p:nvPr>
+            <p:ph type="body" idx="1"/>
+          </p:nvPr>
+        </p:nvSpPr>
+        <p:spPr>
+          <a:xfrm>
+            <a:off x="853190" y="4443680"/>
+            <a:ext cx="5891636" cy="2133583"/>
+          </a:xfrm>
+        </p:spPr>
+        <p:txBody>
+          <a:bodyPr/>
+          <a:lstStyle/>
+          <a:p>
+            <a:pPr marL="285750" indent="-285750">
+              <a:buFont typeface="Courier New" panose="02070309020205020404" pitchFamily="49" charset="0"/>
+              <a:buChar char="o"/>
+            </a:pPr>
+            <a:r>
+              <a:rPr lang="fr-FR" sz="2400" dirty="0"/>
+              <a:t>Création d’une application « SCAN » sous Android Studio</a:t>
+            </a:r>
+          </a:p>
+          <a:p>
+            <a:pPr marL="285750" indent="-285750">
+              <a:buFont typeface="Courier New" panose="02070309020205020404" pitchFamily="49" charset="0"/>
+              <a:buChar char="o"/>
+            </a:pPr>
+            <a:r>
+              <a:rPr lang="fr-FR" sz="2400" dirty="0"/>
+              <a:t>Aider à la création de l’application « Emprunteur » avec l’étudiant</a:t>
+            </a:r>
+          </a:p>
+        </p:txBody>
+      </p:sp>
+      <p:pic>
+        <p:nvPicPr>
+          <p:cNvPr id="10" name="Image 9">
+            <a:extLst>
+              <a:ext uri="{FF2B5EF4-FFF2-40B4-BE49-F238E27FC236}">
+                <a16:creationId xmlns:a16="http://schemas.microsoft.com/office/drawing/2014/main" id="{61FAD1AB-71DB-4156-899F-DCC887E024CD}"/>
+              </a:ext>
+            </a:extLst>
+          </p:cNvPr>
+          <p:cNvPicPr>
+            <a:picLocks noChangeAspect="1"/>
+          </p:cNvPicPr>
+          <p:nvPr/>
+        </p:nvPicPr>
+        <p:blipFill>
+          <a:blip r:embed="rId2" cstate="print">
+            <a:extLst>
+              <a:ext uri="{28A0092B-C50C-407E-A947-70E740481C1C}">
+                <a14:useLocalDpi xmlns:a14="http://schemas.microsoft.com/office/drawing/2010/main" val="0"/>
+              </a:ext>
+            </a:extLst>
+          </a:blip>
+          <a:stretch>
+            <a:fillRect/>
+          </a:stretch>
+        </p:blipFill>
+        <p:spPr>
+          <a:xfrm>
+            <a:off x="8115691" y="1063569"/>
+            <a:ext cx="3223119" cy="4488960"/>
+          </a:xfrm>
+          <a:prstGeom prst="rect">
+            <a:avLst/>
+          </a:prstGeom>
+        </p:spPr>
+      </p:pic>
+    </p:spTree>
+    <p:extLst>
+      <p:ext uri="{BB962C8B-B14F-4D97-AF65-F5344CB8AC3E}">
+        <p14:creationId xmlns:p14="http://schemas.microsoft.com/office/powerpoint/2010/main" val="2602003156"/>
+      </p:ext>
+    </p:extLst>
+  </p:cSld>
+  <p:clrMapOvr>
+    <a:masterClrMapping/>
+  </p:clrMapOvr>
+</p:sld>
+</file>
+
+<file path=ppt/slides/slide4.xml><?xml version="1.0" encoding="utf-8"?>
+<p:sld xmlns:a="http://schemas.openxmlformats.org/drawingml/2006/main" xmlns:r="http://schemas.openxmlformats.org/officeDocument/2006/relationships" xmlns:p="http://schemas.openxmlformats.org/presentationml/2006/main">
+  <p:cSld>
+    <p:spTree>
+      <p:nvGrpSpPr>
+        <p:cNvPr id="1" name=""/>
+        <p:cNvGrpSpPr/>
+        <p:nvPr/>
+      </p:nvGrpSpPr>
+      <p:grpSpPr>
+        <a:xfrm>
+          <a:off x="0" y="0"/>
+          <a:ext cx="0" cy="0"/>
+          <a:chOff x="0" y="0"/>
+          <a:chExt cx="0" cy="0"/>
+        </a:xfrm>
+      </p:grpSpPr>
+      <p:sp>
+        <p:nvSpPr>
+          <p:cNvPr id="2" name="Titre 1">
+            <a:extLst>
+              <a:ext uri="{FF2B5EF4-FFF2-40B4-BE49-F238E27FC236}">
+                <a16:creationId xmlns:a16="http://schemas.microsoft.com/office/drawing/2014/main" id="{E0B0C63A-BD8F-4F56-BCC9-E96007308935}"/>
+              </a:ext>
+            </a:extLst>
+          </p:cNvPr>
+          <p:cNvSpPr>
+            <a:spLocks noGrp="1"/>
+          </p:cNvSpPr>
+          <p:nvPr>
+            <p:ph type="title"/>
+          </p:nvPr>
+        </p:nvSpPr>
+        <p:spPr/>
+        <p:txBody>
+          <a:bodyPr/>
+          <a:lstStyle/>
+          <a:p>
+            <a:r>
+              <a:rPr lang="fr-FR" sz="5400" dirty="0"/>
+              <a:t>Matériel &amp; technologies</a:t>
+            </a:r>
+          </a:p>
+        </p:txBody>
+      </p:sp>
+    </p:spTree>
+    <p:extLst>
+      <p:ext uri="{BB962C8B-B14F-4D97-AF65-F5344CB8AC3E}">
+        <p14:creationId xmlns:p14="http://schemas.microsoft.com/office/powerpoint/2010/main" val="2250430334"/>
       </p:ext>
     </p:extLst>
   </p:cSld>

--- a/Documentations/Présentation du projet (Revue 1).pptx
+++ b/Documentations/Présentation du projet (Revue 1).pptx
@@ -210,7 +210,7 @@
           <a:effectLst/>
           <a:extLst>
             <a:ext uri="{91240B29-F687-4f45-9708-019B960494DF}">
-              <a14:hiddenLine xmlns="" xmlns:a14="http://schemas.microsoft.com/office/drawing/2010/main" w="9525">
+              <a14:hiddenLine xmlns:a14="http://schemas.microsoft.com/office/drawing/2010/main" xmlns="" w="9525">
                 <a:solidFill>
                   <a:srgbClr val="000000"/>
                 </a:solidFill>
@@ -1720,7 +1720,7 @@
           <a:ln/>
           <a:extLst>
             <a:ext uri="{91240B29-F687-4f45-9708-019B960494DF}">
-              <a14:hiddenLine xmlns="" xmlns:a14="http://schemas.microsoft.com/office/drawing/2010/main" w="9525">
+              <a14:hiddenLine xmlns:a14="http://schemas.microsoft.com/office/drawing/2010/main" xmlns="" w="9525">
                 <a:solidFill>
                   <a:srgbClr val="000000"/>
                 </a:solidFill>
@@ -1992,7 +1992,7 @@
           <a:ln/>
           <a:extLst>
             <a:ext uri="{91240B29-F687-4f45-9708-019B960494DF}">
-              <a14:hiddenLine xmlns="" xmlns:a14="http://schemas.microsoft.com/office/drawing/2010/main" w="9525">
+              <a14:hiddenLine xmlns:a14="http://schemas.microsoft.com/office/drawing/2010/main" xmlns="" w="9525">
                 <a:solidFill>
                   <a:srgbClr val="000000"/>
                 </a:solidFill>
@@ -2272,7 +2272,7 @@
           <a:ln/>
           <a:extLst>
             <a:ext uri="{91240B29-F687-4f45-9708-019B960494DF}">
-              <a14:hiddenLine xmlns="" xmlns:a14="http://schemas.microsoft.com/office/drawing/2010/main" w="9525">
+              <a14:hiddenLine xmlns:a14="http://schemas.microsoft.com/office/drawing/2010/main" xmlns="" w="9525">
                 <a:solidFill>
                   <a:srgbClr val="000000"/>
                 </a:solidFill>
@@ -2892,7 +2892,7 @@
           <a:ln/>
           <a:extLst>
             <a:ext uri="{91240B29-F687-4f45-9708-019B960494DF}">
-              <a14:hiddenLine xmlns="" xmlns:a14="http://schemas.microsoft.com/office/drawing/2010/main" w="9525">
+              <a14:hiddenLine xmlns:a14="http://schemas.microsoft.com/office/drawing/2010/main" xmlns="" w="9525">
                 <a:solidFill>
                   <a:srgbClr val="000000"/>
                 </a:solidFill>
@@ -3228,7 +3228,7 @@
           <a:ln/>
           <a:extLst>
             <a:ext uri="{91240B29-F687-4f45-9708-019B960494DF}">
-              <a14:hiddenLine xmlns="" xmlns:a14="http://schemas.microsoft.com/office/drawing/2010/main" w="9525">
+              <a14:hiddenLine xmlns:a14="http://schemas.microsoft.com/office/drawing/2010/main" xmlns="" w="9525">
                 <a:solidFill>
                   <a:srgbClr val="000000"/>
                 </a:solidFill>
@@ -3702,7 +3702,7 @@
           <a:ln/>
           <a:extLst>
             <a:ext uri="{91240B29-F687-4f45-9708-019B960494DF}">
-              <a14:hiddenLine xmlns="" xmlns:a14="http://schemas.microsoft.com/office/drawing/2010/main" w="9525">
+              <a14:hiddenLine xmlns:a14="http://schemas.microsoft.com/office/drawing/2010/main" xmlns="" w="9525">
                 <a:solidFill>
                   <a:srgbClr val="000000"/>
                 </a:solidFill>
@@ -4125,7 +4125,7 @@
           <a:ln/>
           <a:extLst>
             <a:ext uri="{91240B29-F687-4f45-9708-019B960494DF}">
-              <a14:hiddenLine xmlns="" xmlns:a14="http://schemas.microsoft.com/office/drawing/2010/main" w="9525">
+              <a14:hiddenLine xmlns:a14="http://schemas.microsoft.com/office/drawing/2010/main" xmlns="" w="9525">
                 <a:solidFill>
                   <a:srgbClr val="000000"/>
                 </a:solidFill>
@@ -5334,6 +5334,11 @@
 <file path=ppt/slides/slide1.xml><?xml version="1.0" encoding="utf-8"?>
 <p:sld xmlns:a="http://schemas.openxmlformats.org/drawingml/2006/main" xmlns:r="http://schemas.openxmlformats.org/officeDocument/2006/relationships" xmlns:p="http://schemas.openxmlformats.org/presentationml/2006/main">
   <p:cSld>
+    <p:bg>
+      <p:bgRef idx="1001">
+        <a:schemeClr val="bg2"/>
+      </p:bgRef>
+    </p:bg>
     <p:spTree>
       <p:nvGrpSpPr>
         <p:cNvPr id="1" name=""/>
@@ -5424,7 +5429,7 @@
     </p:extLst>
   </p:cSld>
   <p:clrMapOvr>
-    <a:masterClrMapping/>
+    <a:overrideClrMapping bg1="dk1" tx1="lt1" bg2="dk2" tx2="lt2" accent1="accent1" accent2="accent2" accent3="accent3" accent4="accent4" accent5="accent5" accent6="accent6" hlink="hlink" folHlink="folHlink"/>
   </p:clrMapOvr>
 </p:sld>
 </file>
@@ -5782,7 +5787,7 @@
           <a:lstStyle/>
           <a:p>
             <a:r>
-              <a:rPr lang="fr-FR" sz="1600">
+              <a:rPr lang="fr-FR" sz="1600" dirty="0">
                 <a:solidFill>
                   <a:srgbClr val="FFFFFF"/>
                 </a:solidFill>
@@ -6289,4 +6294,47 @@
     </a:ext>
   </a:extLst>
 </a:theme>
+</file>
+
+<file path=ppt/theme/themeOverride1.xml><?xml version="1.0" encoding="utf-8"?>
+<a:themeOverride xmlns:a="http://schemas.openxmlformats.org/drawingml/2006/main">
+  <a:clrScheme name="Quotable">
+    <a:dk1>
+      <a:sysClr val="windowText" lastClr="000000"/>
+    </a:dk1>
+    <a:lt1>
+      <a:sysClr val="window" lastClr="FFFFFF"/>
+    </a:lt1>
+    <a:dk2>
+      <a:srgbClr val="212121"/>
+    </a:dk2>
+    <a:lt2>
+      <a:srgbClr val="636363"/>
+    </a:lt2>
+    <a:accent1>
+      <a:srgbClr val="00C6BB"/>
+    </a:accent1>
+    <a:accent2>
+      <a:srgbClr val="6FEBA0"/>
+    </a:accent2>
+    <a:accent3>
+      <a:srgbClr val="B6DF5E"/>
+    </a:accent3>
+    <a:accent4>
+      <a:srgbClr val="EFB251"/>
+    </a:accent4>
+    <a:accent5>
+      <a:srgbClr val="EF755F"/>
+    </a:accent5>
+    <a:accent6>
+      <a:srgbClr val="ED515C"/>
+    </a:accent6>
+    <a:hlink>
+      <a:srgbClr val="8F8F8F"/>
+    </a:hlink>
+    <a:folHlink>
+      <a:srgbClr val="A5A5A5"/>
+    </a:folHlink>
+  </a:clrScheme>
+</a:themeOverride>
 </file>